--- a/ppt 16-9/0991.我锚已抛牢.pptx
+++ b/ppt 16-9/0991.我锚已抛牢.pptx
@@ -5,7 +5,7 @@
     <p:sldMasterId id="2147483648" r:id="rId1"/>
   </p:sldMasterIdLst>
   <p:sldIdLst>
-    <p:sldId id="397" r:id="rId2"/>
+    <p:sldId id="398" r:id="rId2"/>
   </p:sldIdLst>
   <p:sldSz cx="12192000" cy="6858000"/>
   <p:notesSz cx="6858000" cy="9144000"/>
@@ -129,7 +129,7 @@
           <p:cNvPr id="2" name="标题 1">
             <a:extLst>
               <a:ext uri="{FF2B5EF4-FFF2-40B4-BE49-F238E27FC236}">
-                <a16:creationId xmlns:a16="http://schemas.microsoft.com/office/drawing/2014/main" id="{8136344D-5756-55D6-8D28-6DB35049CAFD}"/>
+                <a16:creationId xmlns:a16="http://schemas.microsoft.com/office/drawing/2014/main" id="{8D5FCCCC-0DC4-7D19-748F-4EB97AB6A520}"/>
               </a:ext>
             </a:extLst>
           </p:cNvPr>
@@ -166,7 +166,7 @@
           <p:cNvPr id="3" name="副标题 2">
             <a:extLst>
               <a:ext uri="{FF2B5EF4-FFF2-40B4-BE49-F238E27FC236}">
-                <a16:creationId xmlns:a16="http://schemas.microsoft.com/office/drawing/2014/main" id="{FED96471-D540-B8A9-CF7F-2B605438F76A}"/>
+                <a16:creationId xmlns:a16="http://schemas.microsoft.com/office/drawing/2014/main" id="{1C3113D2-9F93-6AC1-B574-A106CA9B9431}"/>
               </a:ext>
             </a:extLst>
           </p:cNvPr>
@@ -236,7 +236,7 @@
           <p:cNvPr id="4" name="日期占位符 3">
             <a:extLst>
               <a:ext uri="{FF2B5EF4-FFF2-40B4-BE49-F238E27FC236}">
-                <a16:creationId xmlns:a16="http://schemas.microsoft.com/office/drawing/2014/main" id="{7B1ECE57-531F-A385-EA4F-6CB07B622FA3}"/>
+                <a16:creationId xmlns:a16="http://schemas.microsoft.com/office/drawing/2014/main" id="{E1319FC3-E131-677F-791A-548F1530B7AD}"/>
               </a:ext>
             </a:extLst>
           </p:cNvPr>
@@ -252,7 +252,7 @@
           <a:bodyPr/>
           <a:lstStyle/>
           <a:p>
-            <a:fld id="{B809B4A3-7C48-426E-98B6-5D755670D242}" type="datetimeFigureOut">
+            <a:fld id="{116CF181-791D-4B1D-922D-B6F5EB7B31C7}" type="datetimeFigureOut">
               <a:rPr lang="zh-CN" altLang="en-US" smtClean="0"/>
               <a:t>2024/3/10</a:t>
             </a:fld>
@@ -265,7 +265,7 @@
           <p:cNvPr id="5" name="页脚占位符 4">
             <a:extLst>
               <a:ext uri="{FF2B5EF4-FFF2-40B4-BE49-F238E27FC236}">
-                <a16:creationId xmlns:a16="http://schemas.microsoft.com/office/drawing/2014/main" id="{431A5078-B0AC-047B-DAB6-7F46F47960C6}"/>
+                <a16:creationId xmlns:a16="http://schemas.microsoft.com/office/drawing/2014/main" id="{67FB84C6-A64F-0D5F-775B-5703E819832A}"/>
               </a:ext>
             </a:extLst>
           </p:cNvPr>
@@ -290,7 +290,7 @@
           <p:cNvPr id="6" name="灯片编号占位符 5">
             <a:extLst>
               <a:ext uri="{FF2B5EF4-FFF2-40B4-BE49-F238E27FC236}">
-                <a16:creationId xmlns:a16="http://schemas.microsoft.com/office/drawing/2014/main" id="{67905198-0F55-D285-3E23-AA3353C75136}"/>
+                <a16:creationId xmlns:a16="http://schemas.microsoft.com/office/drawing/2014/main" id="{72466447-0D1B-9685-6E73-4E02B49662A8}"/>
               </a:ext>
             </a:extLst>
           </p:cNvPr>
@@ -306,7 +306,7 @@
           <a:bodyPr/>
           <a:lstStyle/>
           <a:p>
-            <a:fld id="{C8591ABF-0B41-494E-9A63-4370CE143CE6}" type="slidenum">
+            <a:fld id="{A4001789-0A5E-4E16-8E31-CFC078E594E1}" type="slidenum">
               <a:rPr lang="zh-CN" altLang="en-US" smtClean="0"/>
               <a:t>‹#›</a:t>
             </a:fld>
@@ -317,7 +317,7 @@
     </p:spTree>
     <p:extLst>
       <p:ext uri="{BB962C8B-B14F-4D97-AF65-F5344CB8AC3E}">
-        <p14:creationId xmlns:p14="http://schemas.microsoft.com/office/powerpoint/2010/main" val="3233262311"/>
+        <p14:creationId xmlns:p14="http://schemas.microsoft.com/office/powerpoint/2010/main" val="3185705486"/>
       </p:ext>
     </p:extLst>
   </p:cSld>
@@ -349,7 +349,7 @@
           <p:cNvPr id="2" name="标题 1">
             <a:extLst>
               <a:ext uri="{FF2B5EF4-FFF2-40B4-BE49-F238E27FC236}">
-                <a16:creationId xmlns:a16="http://schemas.microsoft.com/office/drawing/2014/main" id="{88EB105E-4E7A-244E-94B2-971BFD878955}"/>
+                <a16:creationId xmlns:a16="http://schemas.microsoft.com/office/drawing/2014/main" id="{4C8C7326-4326-C51C-AB8E-21E01CC97236}"/>
               </a:ext>
             </a:extLst>
           </p:cNvPr>
@@ -377,7 +377,7 @@
           <p:cNvPr id="3" name="竖排文字占位符 2">
             <a:extLst>
               <a:ext uri="{FF2B5EF4-FFF2-40B4-BE49-F238E27FC236}">
-                <a16:creationId xmlns:a16="http://schemas.microsoft.com/office/drawing/2014/main" id="{0089C46D-AF6B-2114-1A2B-FDB343ECA4C4}"/>
+                <a16:creationId xmlns:a16="http://schemas.microsoft.com/office/drawing/2014/main" id="{CA09F873-3F30-0C29-5009-46EE9D9071EF}"/>
               </a:ext>
             </a:extLst>
           </p:cNvPr>
@@ -434,7 +434,7 @@
           <p:cNvPr id="4" name="日期占位符 3">
             <a:extLst>
               <a:ext uri="{FF2B5EF4-FFF2-40B4-BE49-F238E27FC236}">
-                <a16:creationId xmlns:a16="http://schemas.microsoft.com/office/drawing/2014/main" id="{430C788A-0CB6-E65F-FE5E-4C64131084FE}"/>
+                <a16:creationId xmlns:a16="http://schemas.microsoft.com/office/drawing/2014/main" id="{2DFA5B06-6261-933B-1380-9F466B3F3D67}"/>
               </a:ext>
             </a:extLst>
           </p:cNvPr>
@@ -450,7 +450,7 @@
           <a:bodyPr/>
           <a:lstStyle/>
           <a:p>
-            <a:fld id="{B809B4A3-7C48-426E-98B6-5D755670D242}" type="datetimeFigureOut">
+            <a:fld id="{116CF181-791D-4B1D-922D-B6F5EB7B31C7}" type="datetimeFigureOut">
               <a:rPr lang="zh-CN" altLang="en-US" smtClean="0"/>
               <a:t>2024/3/10</a:t>
             </a:fld>
@@ -463,7 +463,7 @@
           <p:cNvPr id="5" name="页脚占位符 4">
             <a:extLst>
               <a:ext uri="{FF2B5EF4-FFF2-40B4-BE49-F238E27FC236}">
-                <a16:creationId xmlns:a16="http://schemas.microsoft.com/office/drawing/2014/main" id="{D82B0C0F-060C-692E-D3A1-0E1C635A1680}"/>
+                <a16:creationId xmlns:a16="http://schemas.microsoft.com/office/drawing/2014/main" id="{13C42608-4D98-3678-293E-959C17F5D790}"/>
               </a:ext>
             </a:extLst>
           </p:cNvPr>
@@ -488,7 +488,7 @@
           <p:cNvPr id="6" name="灯片编号占位符 5">
             <a:extLst>
               <a:ext uri="{FF2B5EF4-FFF2-40B4-BE49-F238E27FC236}">
-                <a16:creationId xmlns:a16="http://schemas.microsoft.com/office/drawing/2014/main" id="{3B11A913-6328-B133-F06C-0EC5683D30A4}"/>
+                <a16:creationId xmlns:a16="http://schemas.microsoft.com/office/drawing/2014/main" id="{8B34171E-B4E0-E832-1BE3-462B7AED4C9F}"/>
               </a:ext>
             </a:extLst>
           </p:cNvPr>
@@ -504,7 +504,7 @@
           <a:bodyPr/>
           <a:lstStyle/>
           <a:p>
-            <a:fld id="{C8591ABF-0B41-494E-9A63-4370CE143CE6}" type="slidenum">
+            <a:fld id="{A4001789-0A5E-4E16-8E31-CFC078E594E1}" type="slidenum">
               <a:rPr lang="zh-CN" altLang="en-US" smtClean="0"/>
               <a:t>‹#›</a:t>
             </a:fld>
@@ -515,7 +515,7 @@
     </p:spTree>
     <p:extLst>
       <p:ext uri="{BB962C8B-B14F-4D97-AF65-F5344CB8AC3E}">
-        <p14:creationId xmlns:p14="http://schemas.microsoft.com/office/powerpoint/2010/main" val="1680558303"/>
+        <p14:creationId xmlns:p14="http://schemas.microsoft.com/office/powerpoint/2010/main" val="4146272489"/>
       </p:ext>
     </p:extLst>
   </p:cSld>
@@ -547,7 +547,7 @@
           <p:cNvPr id="2" name="竖排标题 1">
             <a:extLst>
               <a:ext uri="{FF2B5EF4-FFF2-40B4-BE49-F238E27FC236}">
-                <a16:creationId xmlns:a16="http://schemas.microsoft.com/office/drawing/2014/main" id="{757398BB-D75C-E67D-85F8-1AAF58F9512F}"/>
+                <a16:creationId xmlns:a16="http://schemas.microsoft.com/office/drawing/2014/main" id="{F3276A0D-56F8-D47A-AF11-2DA2F1EE94E6}"/>
               </a:ext>
             </a:extLst>
           </p:cNvPr>
@@ -580,7 +580,7 @@
           <p:cNvPr id="3" name="竖排文字占位符 2">
             <a:extLst>
               <a:ext uri="{FF2B5EF4-FFF2-40B4-BE49-F238E27FC236}">
-                <a16:creationId xmlns:a16="http://schemas.microsoft.com/office/drawing/2014/main" id="{A98F216C-D4C6-63DF-4558-6C6DC636ECCD}"/>
+                <a16:creationId xmlns:a16="http://schemas.microsoft.com/office/drawing/2014/main" id="{FC8863C3-F20E-98AF-16F9-B0CF7BC594E9}"/>
               </a:ext>
             </a:extLst>
           </p:cNvPr>
@@ -642,7 +642,7 @@
           <p:cNvPr id="4" name="日期占位符 3">
             <a:extLst>
               <a:ext uri="{FF2B5EF4-FFF2-40B4-BE49-F238E27FC236}">
-                <a16:creationId xmlns:a16="http://schemas.microsoft.com/office/drawing/2014/main" id="{E281FC24-638E-AD24-6605-36E942E347F2}"/>
+                <a16:creationId xmlns:a16="http://schemas.microsoft.com/office/drawing/2014/main" id="{431FAC38-0015-50D6-5852-E0F782205383}"/>
               </a:ext>
             </a:extLst>
           </p:cNvPr>
@@ -658,7 +658,7 @@
           <a:bodyPr/>
           <a:lstStyle/>
           <a:p>
-            <a:fld id="{B809B4A3-7C48-426E-98B6-5D755670D242}" type="datetimeFigureOut">
+            <a:fld id="{116CF181-791D-4B1D-922D-B6F5EB7B31C7}" type="datetimeFigureOut">
               <a:rPr lang="zh-CN" altLang="en-US" smtClean="0"/>
               <a:t>2024/3/10</a:t>
             </a:fld>
@@ -671,7 +671,7 @@
           <p:cNvPr id="5" name="页脚占位符 4">
             <a:extLst>
               <a:ext uri="{FF2B5EF4-FFF2-40B4-BE49-F238E27FC236}">
-                <a16:creationId xmlns:a16="http://schemas.microsoft.com/office/drawing/2014/main" id="{1755BAB7-636C-548E-F87F-F709E9990F06}"/>
+                <a16:creationId xmlns:a16="http://schemas.microsoft.com/office/drawing/2014/main" id="{63DC1F97-A544-B2AB-A14D-243541C1B17A}"/>
               </a:ext>
             </a:extLst>
           </p:cNvPr>
@@ -696,7 +696,7 @@
           <p:cNvPr id="6" name="灯片编号占位符 5">
             <a:extLst>
               <a:ext uri="{FF2B5EF4-FFF2-40B4-BE49-F238E27FC236}">
-                <a16:creationId xmlns:a16="http://schemas.microsoft.com/office/drawing/2014/main" id="{6D5EAD7B-7E63-5114-13EF-3827DE039FB7}"/>
+                <a16:creationId xmlns:a16="http://schemas.microsoft.com/office/drawing/2014/main" id="{F85206FF-CFA1-B04D-A1CF-1A03EF9DA4ED}"/>
               </a:ext>
             </a:extLst>
           </p:cNvPr>
@@ -712,7 +712,7 @@
           <a:bodyPr/>
           <a:lstStyle/>
           <a:p>
-            <a:fld id="{C8591ABF-0B41-494E-9A63-4370CE143CE6}" type="slidenum">
+            <a:fld id="{A4001789-0A5E-4E16-8E31-CFC078E594E1}" type="slidenum">
               <a:rPr lang="zh-CN" altLang="en-US" smtClean="0"/>
               <a:t>‹#›</a:t>
             </a:fld>
@@ -723,7 +723,7 @@
     </p:spTree>
     <p:extLst>
       <p:ext uri="{BB962C8B-B14F-4D97-AF65-F5344CB8AC3E}">
-        <p14:creationId xmlns:p14="http://schemas.microsoft.com/office/powerpoint/2010/main" val="2986815282"/>
+        <p14:creationId xmlns:p14="http://schemas.microsoft.com/office/powerpoint/2010/main" val="189472170"/>
       </p:ext>
     </p:extLst>
   </p:cSld>
@@ -755,7 +755,7 @@
           <p:cNvPr id="2" name="标题 1">
             <a:extLst>
               <a:ext uri="{FF2B5EF4-FFF2-40B4-BE49-F238E27FC236}">
-                <a16:creationId xmlns:a16="http://schemas.microsoft.com/office/drawing/2014/main" id="{AA268F24-6D69-18C7-5AAC-B58BA161ECEB}"/>
+                <a16:creationId xmlns:a16="http://schemas.microsoft.com/office/drawing/2014/main" id="{9CCF2016-A1BC-B9DD-A34C-D868C9FF7A0A}"/>
               </a:ext>
             </a:extLst>
           </p:cNvPr>
@@ -783,7 +783,7 @@
           <p:cNvPr id="3" name="内容占位符 2">
             <a:extLst>
               <a:ext uri="{FF2B5EF4-FFF2-40B4-BE49-F238E27FC236}">
-                <a16:creationId xmlns:a16="http://schemas.microsoft.com/office/drawing/2014/main" id="{A469CCD4-F24C-276A-CF46-472E6FDA9069}"/>
+                <a16:creationId xmlns:a16="http://schemas.microsoft.com/office/drawing/2014/main" id="{F0CC8687-47A9-367C-97AF-91E302187540}"/>
               </a:ext>
             </a:extLst>
           </p:cNvPr>
@@ -840,7 +840,7 @@
           <p:cNvPr id="4" name="日期占位符 3">
             <a:extLst>
               <a:ext uri="{FF2B5EF4-FFF2-40B4-BE49-F238E27FC236}">
-                <a16:creationId xmlns:a16="http://schemas.microsoft.com/office/drawing/2014/main" id="{F94DC3D7-E2B7-12D3-20BB-10F9D0F6E86F}"/>
+                <a16:creationId xmlns:a16="http://schemas.microsoft.com/office/drawing/2014/main" id="{4A5A4848-BE79-1D4C-9B98-600BA8DD0963}"/>
               </a:ext>
             </a:extLst>
           </p:cNvPr>
@@ -856,7 +856,7 @@
           <a:bodyPr/>
           <a:lstStyle/>
           <a:p>
-            <a:fld id="{B809B4A3-7C48-426E-98B6-5D755670D242}" type="datetimeFigureOut">
+            <a:fld id="{116CF181-791D-4B1D-922D-B6F5EB7B31C7}" type="datetimeFigureOut">
               <a:rPr lang="zh-CN" altLang="en-US" smtClean="0"/>
               <a:t>2024/3/10</a:t>
             </a:fld>
@@ -869,7 +869,7 @@
           <p:cNvPr id="5" name="页脚占位符 4">
             <a:extLst>
               <a:ext uri="{FF2B5EF4-FFF2-40B4-BE49-F238E27FC236}">
-                <a16:creationId xmlns:a16="http://schemas.microsoft.com/office/drawing/2014/main" id="{19DEAECE-B438-36A2-DB00-F3BC3CE01696}"/>
+                <a16:creationId xmlns:a16="http://schemas.microsoft.com/office/drawing/2014/main" id="{0981DB17-5912-53F8-F31B-7C4D01B96A4D}"/>
               </a:ext>
             </a:extLst>
           </p:cNvPr>
@@ -894,7 +894,7 @@
           <p:cNvPr id="6" name="灯片编号占位符 5">
             <a:extLst>
               <a:ext uri="{FF2B5EF4-FFF2-40B4-BE49-F238E27FC236}">
-                <a16:creationId xmlns:a16="http://schemas.microsoft.com/office/drawing/2014/main" id="{659C9904-58FE-8FF4-CCAB-F689FC196EFC}"/>
+                <a16:creationId xmlns:a16="http://schemas.microsoft.com/office/drawing/2014/main" id="{A351178E-1DCA-FA9F-CA7C-32EDDFF49789}"/>
               </a:ext>
             </a:extLst>
           </p:cNvPr>
@@ -910,7 +910,7 @@
           <a:bodyPr/>
           <a:lstStyle/>
           <a:p>
-            <a:fld id="{C8591ABF-0B41-494E-9A63-4370CE143CE6}" type="slidenum">
+            <a:fld id="{A4001789-0A5E-4E16-8E31-CFC078E594E1}" type="slidenum">
               <a:rPr lang="zh-CN" altLang="en-US" smtClean="0"/>
               <a:t>‹#›</a:t>
             </a:fld>
@@ -921,7 +921,7 @@
     </p:spTree>
     <p:extLst>
       <p:ext uri="{BB962C8B-B14F-4D97-AF65-F5344CB8AC3E}">
-        <p14:creationId xmlns:p14="http://schemas.microsoft.com/office/powerpoint/2010/main" val="3591624592"/>
+        <p14:creationId xmlns:p14="http://schemas.microsoft.com/office/powerpoint/2010/main" val="3534514511"/>
       </p:ext>
     </p:extLst>
   </p:cSld>
@@ -953,7 +953,7 @@
           <p:cNvPr id="2" name="标题 1">
             <a:extLst>
               <a:ext uri="{FF2B5EF4-FFF2-40B4-BE49-F238E27FC236}">
-                <a16:creationId xmlns:a16="http://schemas.microsoft.com/office/drawing/2014/main" id="{53F0B992-9F9E-6371-9F66-5AE45E0AE009}"/>
+                <a16:creationId xmlns:a16="http://schemas.microsoft.com/office/drawing/2014/main" id="{A1973094-E04D-586E-4E61-E1361E405F77}"/>
               </a:ext>
             </a:extLst>
           </p:cNvPr>
@@ -990,7 +990,7 @@
           <p:cNvPr id="3" name="文本占位符 2">
             <a:extLst>
               <a:ext uri="{FF2B5EF4-FFF2-40B4-BE49-F238E27FC236}">
-                <a16:creationId xmlns:a16="http://schemas.microsoft.com/office/drawing/2014/main" id="{612D56D2-187F-2272-0056-BBAD8432EA38}"/>
+                <a16:creationId xmlns:a16="http://schemas.microsoft.com/office/drawing/2014/main" id="{0CF6E409-544E-6199-FA4C-068C6FACBE02}"/>
               </a:ext>
             </a:extLst>
           </p:cNvPr>
@@ -1115,7 +1115,7 @@
           <p:cNvPr id="4" name="日期占位符 3">
             <a:extLst>
               <a:ext uri="{FF2B5EF4-FFF2-40B4-BE49-F238E27FC236}">
-                <a16:creationId xmlns:a16="http://schemas.microsoft.com/office/drawing/2014/main" id="{4B0F7F65-AD4B-9928-A1CF-8B63738A13E2}"/>
+                <a16:creationId xmlns:a16="http://schemas.microsoft.com/office/drawing/2014/main" id="{C3FA291E-ED2E-C215-80A4-6B4DDFDC6F86}"/>
               </a:ext>
             </a:extLst>
           </p:cNvPr>
@@ -1131,7 +1131,7 @@
           <a:bodyPr/>
           <a:lstStyle/>
           <a:p>
-            <a:fld id="{B809B4A3-7C48-426E-98B6-5D755670D242}" type="datetimeFigureOut">
+            <a:fld id="{116CF181-791D-4B1D-922D-B6F5EB7B31C7}" type="datetimeFigureOut">
               <a:rPr lang="zh-CN" altLang="en-US" smtClean="0"/>
               <a:t>2024/3/10</a:t>
             </a:fld>
@@ -1144,7 +1144,7 @@
           <p:cNvPr id="5" name="页脚占位符 4">
             <a:extLst>
               <a:ext uri="{FF2B5EF4-FFF2-40B4-BE49-F238E27FC236}">
-                <a16:creationId xmlns:a16="http://schemas.microsoft.com/office/drawing/2014/main" id="{D0CFE77C-6FE2-71FA-E741-3E1AE083BD5F}"/>
+                <a16:creationId xmlns:a16="http://schemas.microsoft.com/office/drawing/2014/main" id="{0BECB3BD-74C9-5C69-6CFB-C80EFE414009}"/>
               </a:ext>
             </a:extLst>
           </p:cNvPr>
@@ -1169,7 +1169,7 @@
           <p:cNvPr id="6" name="灯片编号占位符 5">
             <a:extLst>
               <a:ext uri="{FF2B5EF4-FFF2-40B4-BE49-F238E27FC236}">
-                <a16:creationId xmlns:a16="http://schemas.microsoft.com/office/drawing/2014/main" id="{91EAD7BB-EB50-7D81-02CC-09AEB9D80860}"/>
+                <a16:creationId xmlns:a16="http://schemas.microsoft.com/office/drawing/2014/main" id="{22C2E293-6379-4E04-F017-BDC5DB510C83}"/>
               </a:ext>
             </a:extLst>
           </p:cNvPr>
@@ -1185,7 +1185,7 @@
           <a:bodyPr/>
           <a:lstStyle/>
           <a:p>
-            <a:fld id="{C8591ABF-0B41-494E-9A63-4370CE143CE6}" type="slidenum">
+            <a:fld id="{A4001789-0A5E-4E16-8E31-CFC078E594E1}" type="slidenum">
               <a:rPr lang="zh-CN" altLang="en-US" smtClean="0"/>
               <a:t>‹#›</a:t>
             </a:fld>
@@ -1196,7 +1196,7 @@
     </p:spTree>
     <p:extLst>
       <p:ext uri="{BB962C8B-B14F-4D97-AF65-F5344CB8AC3E}">
-        <p14:creationId xmlns:p14="http://schemas.microsoft.com/office/powerpoint/2010/main" val="2687078329"/>
+        <p14:creationId xmlns:p14="http://schemas.microsoft.com/office/powerpoint/2010/main" val="1631980499"/>
       </p:ext>
     </p:extLst>
   </p:cSld>
@@ -1228,7 +1228,7 @@
           <p:cNvPr id="2" name="标题 1">
             <a:extLst>
               <a:ext uri="{FF2B5EF4-FFF2-40B4-BE49-F238E27FC236}">
-                <a16:creationId xmlns:a16="http://schemas.microsoft.com/office/drawing/2014/main" id="{77D497C3-008A-1914-1C5D-5C65B989D7A6}"/>
+                <a16:creationId xmlns:a16="http://schemas.microsoft.com/office/drawing/2014/main" id="{249022B4-6823-2C16-3CC3-6B684FC930B0}"/>
               </a:ext>
             </a:extLst>
           </p:cNvPr>
@@ -1256,7 +1256,7 @@
           <p:cNvPr id="3" name="内容占位符 2">
             <a:extLst>
               <a:ext uri="{FF2B5EF4-FFF2-40B4-BE49-F238E27FC236}">
-                <a16:creationId xmlns:a16="http://schemas.microsoft.com/office/drawing/2014/main" id="{ED06E873-4AAB-7FDB-8BEC-D959A528BDF8}"/>
+                <a16:creationId xmlns:a16="http://schemas.microsoft.com/office/drawing/2014/main" id="{0BCB6583-6287-C2D7-9B00-E446C7E6F12C}"/>
               </a:ext>
             </a:extLst>
           </p:cNvPr>
@@ -1318,7 +1318,7 @@
           <p:cNvPr id="4" name="内容占位符 3">
             <a:extLst>
               <a:ext uri="{FF2B5EF4-FFF2-40B4-BE49-F238E27FC236}">
-                <a16:creationId xmlns:a16="http://schemas.microsoft.com/office/drawing/2014/main" id="{27A207E5-9833-D71C-A3E0-E920AA2E7767}"/>
+                <a16:creationId xmlns:a16="http://schemas.microsoft.com/office/drawing/2014/main" id="{9EE3A619-B82F-0C95-1B12-19995995DE34}"/>
               </a:ext>
             </a:extLst>
           </p:cNvPr>
@@ -1380,7 +1380,7 @@
           <p:cNvPr id="5" name="日期占位符 4">
             <a:extLst>
               <a:ext uri="{FF2B5EF4-FFF2-40B4-BE49-F238E27FC236}">
-                <a16:creationId xmlns:a16="http://schemas.microsoft.com/office/drawing/2014/main" id="{91AF4171-9B31-28B9-D069-CEBBC0A885BD}"/>
+                <a16:creationId xmlns:a16="http://schemas.microsoft.com/office/drawing/2014/main" id="{1D00E6AF-5A57-5DE4-4099-54AE59008AC0}"/>
               </a:ext>
             </a:extLst>
           </p:cNvPr>
@@ -1396,7 +1396,7 @@
           <a:bodyPr/>
           <a:lstStyle/>
           <a:p>
-            <a:fld id="{B809B4A3-7C48-426E-98B6-5D755670D242}" type="datetimeFigureOut">
+            <a:fld id="{116CF181-791D-4B1D-922D-B6F5EB7B31C7}" type="datetimeFigureOut">
               <a:rPr lang="zh-CN" altLang="en-US" smtClean="0"/>
               <a:t>2024/3/10</a:t>
             </a:fld>
@@ -1409,7 +1409,7 @@
           <p:cNvPr id="6" name="页脚占位符 5">
             <a:extLst>
               <a:ext uri="{FF2B5EF4-FFF2-40B4-BE49-F238E27FC236}">
-                <a16:creationId xmlns:a16="http://schemas.microsoft.com/office/drawing/2014/main" id="{A01ADDDB-E04B-3391-2CA2-F636B1483B3B}"/>
+                <a16:creationId xmlns:a16="http://schemas.microsoft.com/office/drawing/2014/main" id="{65066C32-B850-C510-34AA-E12D03605E2B}"/>
               </a:ext>
             </a:extLst>
           </p:cNvPr>
@@ -1434,7 +1434,7 @@
           <p:cNvPr id="7" name="灯片编号占位符 6">
             <a:extLst>
               <a:ext uri="{FF2B5EF4-FFF2-40B4-BE49-F238E27FC236}">
-                <a16:creationId xmlns:a16="http://schemas.microsoft.com/office/drawing/2014/main" id="{56657C56-DFFB-DF91-ED1C-B65093817896}"/>
+                <a16:creationId xmlns:a16="http://schemas.microsoft.com/office/drawing/2014/main" id="{A7754A80-9A9F-2DFD-6F38-28F4EC0ACE54}"/>
               </a:ext>
             </a:extLst>
           </p:cNvPr>
@@ -1450,7 +1450,7 @@
           <a:bodyPr/>
           <a:lstStyle/>
           <a:p>
-            <a:fld id="{C8591ABF-0B41-494E-9A63-4370CE143CE6}" type="slidenum">
+            <a:fld id="{A4001789-0A5E-4E16-8E31-CFC078E594E1}" type="slidenum">
               <a:rPr lang="zh-CN" altLang="en-US" smtClean="0"/>
               <a:t>‹#›</a:t>
             </a:fld>
@@ -1461,7 +1461,7 @@
     </p:spTree>
     <p:extLst>
       <p:ext uri="{BB962C8B-B14F-4D97-AF65-F5344CB8AC3E}">
-        <p14:creationId xmlns:p14="http://schemas.microsoft.com/office/powerpoint/2010/main" val="4019349354"/>
+        <p14:creationId xmlns:p14="http://schemas.microsoft.com/office/powerpoint/2010/main" val="2320654971"/>
       </p:ext>
     </p:extLst>
   </p:cSld>
@@ -1493,7 +1493,7 @@
           <p:cNvPr id="2" name="标题 1">
             <a:extLst>
               <a:ext uri="{FF2B5EF4-FFF2-40B4-BE49-F238E27FC236}">
-                <a16:creationId xmlns:a16="http://schemas.microsoft.com/office/drawing/2014/main" id="{802F559A-AD5D-4531-C35A-45C0DC7A4AE9}"/>
+                <a16:creationId xmlns:a16="http://schemas.microsoft.com/office/drawing/2014/main" id="{8A16988F-8F03-DA01-82E3-9ADA1385D292}"/>
               </a:ext>
             </a:extLst>
           </p:cNvPr>
@@ -1526,7 +1526,7 @@
           <p:cNvPr id="3" name="文本占位符 2">
             <a:extLst>
               <a:ext uri="{FF2B5EF4-FFF2-40B4-BE49-F238E27FC236}">
-                <a16:creationId xmlns:a16="http://schemas.microsoft.com/office/drawing/2014/main" id="{80FDB7D0-38B4-02DA-3F68-E5C98891BAA2}"/>
+                <a16:creationId xmlns:a16="http://schemas.microsoft.com/office/drawing/2014/main" id="{EAD05808-8D9C-978A-2A25-565F96AA9C85}"/>
               </a:ext>
             </a:extLst>
           </p:cNvPr>
@@ -1597,7 +1597,7 @@
           <p:cNvPr id="4" name="内容占位符 3">
             <a:extLst>
               <a:ext uri="{FF2B5EF4-FFF2-40B4-BE49-F238E27FC236}">
-                <a16:creationId xmlns:a16="http://schemas.microsoft.com/office/drawing/2014/main" id="{03C7B8C5-DA58-8AF7-FF03-68A25603516D}"/>
+                <a16:creationId xmlns:a16="http://schemas.microsoft.com/office/drawing/2014/main" id="{A1B75CA9-5DED-E421-39C9-180F3E9E693D}"/>
               </a:ext>
             </a:extLst>
           </p:cNvPr>
@@ -1659,7 +1659,7 @@
           <p:cNvPr id="5" name="文本占位符 4">
             <a:extLst>
               <a:ext uri="{FF2B5EF4-FFF2-40B4-BE49-F238E27FC236}">
-                <a16:creationId xmlns:a16="http://schemas.microsoft.com/office/drawing/2014/main" id="{3B39BD27-6CAF-0E88-56F7-DBE81B0D3295}"/>
+                <a16:creationId xmlns:a16="http://schemas.microsoft.com/office/drawing/2014/main" id="{9AEDBCE3-515B-85B9-80FA-17474A5966A9}"/>
               </a:ext>
             </a:extLst>
           </p:cNvPr>
@@ -1730,7 +1730,7 @@
           <p:cNvPr id="6" name="内容占位符 5">
             <a:extLst>
               <a:ext uri="{FF2B5EF4-FFF2-40B4-BE49-F238E27FC236}">
-                <a16:creationId xmlns:a16="http://schemas.microsoft.com/office/drawing/2014/main" id="{1A7BA715-D7E0-7E27-15DA-B30646653AE5}"/>
+                <a16:creationId xmlns:a16="http://schemas.microsoft.com/office/drawing/2014/main" id="{855E1542-C065-B50C-A090-2EC9626C6E4B}"/>
               </a:ext>
             </a:extLst>
           </p:cNvPr>
@@ -1792,7 +1792,7 @@
           <p:cNvPr id="7" name="日期占位符 6">
             <a:extLst>
               <a:ext uri="{FF2B5EF4-FFF2-40B4-BE49-F238E27FC236}">
-                <a16:creationId xmlns:a16="http://schemas.microsoft.com/office/drawing/2014/main" id="{4378320C-C577-7A97-BEA4-65EB428CF66B}"/>
+                <a16:creationId xmlns:a16="http://schemas.microsoft.com/office/drawing/2014/main" id="{8F508F05-754F-4944-EF54-6C2428DBDFA9}"/>
               </a:ext>
             </a:extLst>
           </p:cNvPr>
@@ -1808,7 +1808,7 @@
           <a:bodyPr/>
           <a:lstStyle/>
           <a:p>
-            <a:fld id="{B809B4A3-7C48-426E-98B6-5D755670D242}" type="datetimeFigureOut">
+            <a:fld id="{116CF181-791D-4B1D-922D-B6F5EB7B31C7}" type="datetimeFigureOut">
               <a:rPr lang="zh-CN" altLang="en-US" smtClean="0"/>
               <a:t>2024/3/10</a:t>
             </a:fld>
@@ -1821,7 +1821,7 @@
           <p:cNvPr id="8" name="页脚占位符 7">
             <a:extLst>
               <a:ext uri="{FF2B5EF4-FFF2-40B4-BE49-F238E27FC236}">
-                <a16:creationId xmlns:a16="http://schemas.microsoft.com/office/drawing/2014/main" id="{366A116C-B317-15DD-F04F-F9627A4E7606}"/>
+                <a16:creationId xmlns:a16="http://schemas.microsoft.com/office/drawing/2014/main" id="{26A3ACDD-A1C5-4139-FC96-D32F34EF56C7}"/>
               </a:ext>
             </a:extLst>
           </p:cNvPr>
@@ -1846,7 +1846,7 @@
           <p:cNvPr id="9" name="灯片编号占位符 8">
             <a:extLst>
               <a:ext uri="{FF2B5EF4-FFF2-40B4-BE49-F238E27FC236}">
-                <a16:creationId xmlns:a16="http://schemas.microsoft.com/office/drawing/2014/main" id="{9A638C2B-EA83-6176-64AC-95A4F78F315F}"/>
+                <a16:creationId xmlns:a16="http://schemas.microsoft.com/office/drawing/2014/main" id="{A28D2B18-C6D1-4BFC-1AA4-4C8E1D13464F}"/>
               </a:ext>
             </a:extLst>
           </p:cNvPr>
@@ -1862,7 +1862,7 @@
           <a:bodyPr/>
           <a:lstStyle/>
           <a:p>
-            <a:fld id="{C8591ABF-0B41-494E-9A63-4370CE143CE6}" type="slidenum">
+            <a:fld id="{A4001789-0A5E-4E16-8E31-CFC078E594E1}" type="slidenum">
               <a:rPr lang="zh-CN" altLang="en-US" smtClean="0"/>
               <a:t>‹#›</a:t>
             </a:fld>
@@ -1873,7 +1873,7 @@
     </p:spTree>
     <p:extLst>
       <p:ext uri="{BB962C8B-B14F-4D97-AF65-F5344CB8AC3E}">
-        <p14:creationId xmlns:p14="http://schemas.microsoft.com/office/powerpoint/2010/main" val="1077485899"/>
+        <p14:creationId xmlns:p14="http://schemas.microsoft.com/office/powerpoint/2010/main" val="2158748269"/>
       </p:ext>
     </p:extLst>
   </p:cSld>
@@ -1905,7 +1905,7 @@
           <p:cNvPr id="2" name="标题 1">
             <a:extLst>
               <a:ext uri="{FF2B5EF4-FFF2-40B4-BE49-F238E27FC236}">
-                <a16:creationId xmlns:a16="http://schemas.microsoft.com/office/drawing/2014/main" id="{BF390007-95E5-52A4-6BF3-CB49F9EDB6F7}"/>
+                <a16:creationId xmlns:a16="http://schemas.microsoft.com/office/drawing/2014/main" id="{64C4A89E-9199-C166-E20D-9B4056238033}"/>
               </a:ext>
             </a:extLst>
           </p:cNvPr>
@@ -1933,7 +1933,7 @@
           <p:cNvPr id="3" name="日期占位符 2">
             <a:extLst>
               <a:ext uri="{FF2B5EF4-FFF2-40B4-BE49-F238E27FC236}">
-                <a16:creationId xmlns:a16="http://schemas.microsoft.com/office/drawing/2014/main" id="{B977027C-9E06-64D4-6DC4-94BF34AA9CFC}"/>
+                <a16:creationId xmlns:a16="http://schemas.microsoft.com/office/drawing/2014/main" id="{1E37D115-C1A1-E823-21DF-01615B383BF5}"/>
               </a:ext>
             </a:extLst>
           </p:cNvPr>
@@ -1949,7 +1949,7 @@
           <a:bodyPr/>
           <a:lstStyle/>
           <a:p>
-            <a:fld id="{B809B4A3-7C48-426E-98B6-5D755670D242}" type="datetimeFigureOut">
+            <a:fld id="{116CF181-791D-4B1D-922D-B6F5EB7B31C7}" type="datetimeFigureOut">
               <a:rPr lang="zh-CN" altLang="en-US" smtClean="0"/>
               <a:t>2024/3/10</a:t>
             </a:fld>
@@ -1962,7 +1962,7 @@
           <p:cNvPr id="4" name="页脚占位符 3">
             <a:extLst>
               <a:ext uri="{FF2B5EF4-FFF2-40B4-BE49-F238E27FC236}">
-                <a16:creationId xmlns:a16="http://schemas.microsoft.com/office/drawing/2014/main" id="{66D7ECDA-24EF-8172-2177-BBEAE22796D4}"/>
+                <a16:creationId xmlns:a16="http://schemas.microsoft.com/office/drawing/2014/main" id="{D16DE4FD-74D1-DE3B-AFFB-50C64135B83D}"/>
               </a:ext>
             </a:extLst>
           </p:cNvPr>
@@ -1987,7 +1987,7 @@
           <p:cNvPr id="5" name="灯片编号占位符 4">
             <a:extLst>
               <a:ext uri="{FF2B5EF4-FFF2-40B4-BE49-F238E27FC236}">
-                <a16:creationId xmlns:a16="http://schemas.microsoft.com/office/drawing/2014/main" id="{493E4203-30FA-0F10-2094-D2A802F9B74A}"/>
+                <a16:creationId xmlns:a16="http://schemas.microsoft.com/office/drawing/2014/main" id="{19C61A12-5C45-7F95-C0AB-59006344F008}"/>
               </a:ext>
             </a:extLst>
           </p:cNvPr>
@@ -2003,7 +2003,7 @@
           <a:bodyPr/>
           <a:lstStyle/>
           <a:p>
-            <a:fld id="{C8591ABF-0B41-494E-9A63-4370CE143CE6}" type="slidenum">
+            <a:fld id="{A4001789-0A5E-4E16-8E31-CFC078E594E1}" type="slidenum">
               <a:rPr lang="zh-CN" altLang="en-US" smtClean="0"/>
               <a:t>‹#›</a:t>
             </a:fld>
@@ -2014,7 +2014,7 @@
     </p:spTree>
     <p:extLst>
       <p:ext uri="{BB962C8B-B14F-4D97-AF65-F5344CB8AC3E}">
-        <p14:creationId xmlns:p14="http://schemas.microsoft.com/office/powerpoint/2010/main" val="71257431"/>
+        <p14:creationId xmlns:p14="http://schemas.microsoft.com/office/powerpoint/2010/main" val="874558651"/>
       </p:ext>
     </p:extLst>
   </p:cSld>
@@ -2046,7 +2046,7 @@
           <p:cNvPr id="2" name="日期占位符 1">
             <a:extLst>
               <a:ext uri="{FF2B5EF4-FFF2-40B4-BE49-F238E27FC236}">
-                <a16:creationId xmlns:a16="http://schemas.microsoft.com/office/drawing/2014/main" id="{014331A4-73F6-A8BF-FB09-CA60118C7C39}"/>
+                <a16:creationId xmlns:a16="http://schemas.microsoft.com/office/drawing/2014/main" id="{EA528004-BD65-E5C1-5330-3CEC8EC066CC}"/>
               </a:ext>
             </a:extLst>
           </p:cNvPr>
@@ -2062,7 +2062,7 @@
           <a:bodyPr/>
           <a:lstStyle/>
           <a:p>
-            <a:fld id="{B809B4A3-7C48-426E-98B6-5D755670D242}" type="datetimeFigureOut">
+            <a:fld id="{116CF181-791D-4B1D-922D-B6F5EB7B31C7}" type="datetimeFigureOut">
               <a:rPr lang="zh-CN" altLang="en-US" smtClean="0"/>
               <a:t>2024/3/10</a:t>
             </a:fld>
@@ -2075,7 +2075,7 @@
           <p:cNvPr id="3" name="页脚占位符 2">
             <a:extLst>
               <a:ext uri="{FF2B5EF4-FFF2-40B4-BE49-F238E27FC236}">
-                <a16:creationId xmlns:a16="http://schemas.microsoft.com/office/drawing/2014/main" id="{180A4EB5-B2A2-0111-E222-D6E1A759DD35}"/>
+                <a16:creationId xmlns:a16="http://schemas.microsoft.com/office/drawing/2014/main" id="{EA13B259-9A55-469E-7A91-11457685FE8C}"/>
               </a:ext>
             </a:extLst>
           </p:cNvPr>
@@ -2100,7 +2100,7 @@
           <p:cNvPr id="4" name="灯片编号占位符 3">
             <a:extLst>
               <a:ext uri="{FF2B5EF4-FFF2-40B4-BE49-F238E27FC236}">
-                <a16:creationId xmlns:a16="http://schemas.microsoft.com/office/drawing/2014/main" id="{E4DE826C-A0C7-EE90-714C-6456063CF599}"/>
+                <a16:creationId xmlns:a16="http://schemas.microsoft.com/office/drawing/2014/main" id="{4A3A12F9-3DF0-2E89-38DE-0111ABDA6702}"/>
               </a:ext>
             </a:extLst>
           </p:cNvPr>
@@ -2116,7 +2116,7 @@
           <a:bodyPr/>
           <a:lstStyle/>
           <a:p>
-            <a:fld id="{C8591ABF-0B41-494E-9A63-4370CE143CE6}" type="slidenum">
+            <a:fld id="{A4001789-0A5E-4E16-8E31-CFC078E594E1}" type="slidenum">
               <a:rPr lang="zh-CN" altLang="en-US" smtClean="0"/>
               <a:t>‹#›</a:t>
             </a:fld>
@@ -2127,7 +2127,7 @@
     </p:spTree>
     <p:extLst>
       <p:ext uri="{BB962C8B-B14F-4D97-AF65-F5344CB8AC3E}">
-        <p14:creationId xmlns:p14="http://schemas.microsoft.com/office/powerpoint/2010/main" val="1229621916"/>
+        <p14:creationId xmlns:p14="http://schemas.microsoft.com/office/powerpoint/2010/main" val="481798786"/>
       </p:ext>
     </p:extLst>
   </p:cSld>
@@ -2159,7 +2159,7 @@
           <p:cNvPr id="2" name="标题 1">
             <a:extLst>
               <a:ext uri="{FF2B5EF4-FFF2-40B4-BE49-F238E27FC236}">
-                <a16:creationId xmlns:a16="http://schemas.microsoft.com/office/drawing/2014/main" id="{9819C524-80FA-4DFE-F03C-15D4B4BC51C0}"/>
+                <a16:creationId xmlns:a16="http://schemas.microsoft.com/office/drawing/2014/main" id="{8E1DFE7C-39BE-9F5A-4284-2A4EC958CAC6}"/>
               </a:ext>
             </a:extLst>
           </p:cNvPr>
@@ -2196,7 +2196,7 @@
           <p:cNvPr id="3" name="内容占位符 2">
             <a:extLst>
               <a:ext uri="{FF2B5EF4-FFF2-40B4-BE49-F238E27FC236}">
-                <a16:creationId xmlns:a16="http://schemas.microsoft.com/office/drawing/2014/main" id="{A0F3D942-BC94-FA11-A4F9-B557BA19585D}"/>
+                <a16:creationId xmlns:a16="http://schemas.microsoft.com/office/drawing/2014/main" id="{1BDFF601-5588-048A-FAFC-F7273B3A16BE}"/>
               </a:ext>
             </a:extLst>
           </p:cNvPr>
@@ -2286,7 +2286,7 @@
           <p:cNvPr id="4" name="文本占位符 3">
             <a:extLst>
               <a:ext uri="{FF2B5EF4-FFF2-40B4-BE49-F238E27FC236}">
-                <a16:creationId xmlns:a16="http://schemas.microsoft.com/office/drawing/2014/main" id="{E3E1649C-F4D1-2102-CA37-D92458F837DD}"/>
+                <a16:creationId xmlns:a16="http://schemas.microsoft.com/office/drawing/2014/main" id="{EB4853A5-B30E-975D-2CE9-B81EF46EA330}"/>
               </a:ext>
             </a:extLst>
           </p:cNvPr>
@@ -2357,7 +2357,7 @@
           <p:cNvPr id="5" name="日期占位符 4">
             <a:extLst>
               <a:ext uri="{FF2B5EF4-FFF2-40B4-BE49-F238E27FC236}">
-                <a16:creationId xmlns:a16="http://schemas.microsoft.com/office/drawing/2014/main" id="{19FD14F6-DB13-7420-FE68-F85A7D08A6D7}"/>
+                <a16:creationId xmlns:a16="http://schemas.microsoft.com/office/drawing/2014/main" id="{E1C8F91A-EEC7-84E8-7F92-64E8E0183660}"/>
               </a:ext>
             </a:extLst>
           </p:cNvPr>
@@ -2373,7 +2373,7 @@
           <a:bodyPr/>
           <a:lstStyle/>
           <a:p>
-            <a:fld id="{B809B4A3-7C48-426E-98B6-5D755670D242}" type="datetimeFigureOut">
+            <a:fld id="{116CF181-791D-4B1D-922D-B6F5EB7B31C7}" type="datetimeFigureOut">
               <a:rPr lang="zh-CN" altLang="en-US" smtClean="0"/>
               <a:t>2024/3/10</a:t>
             </a:fld>
@@ -2386,7 +2386,7 @@
           <p:cNvPr id="6" name="页脚占位符 5">
             <a:extLst>
               <a:ext uri="{FF2B5EF4-FFF2-40B4-BE49-F238E27FC236}">
-                <a16:creationId xmlns:a16="http://schemas.microsoft.com/office/drawing/2014/main" id="{29BFA799-5D45-4CD4-EB07-D68FB81D8F21}"/>
+                <a16:creationId xmlns:a16="http://schemas.microsoft.com/office/drawing/2014/main" id="{267CFE86-B52C-CF4A-7900-49A2527F608E}"/>
               </a:ext>
             </a:extLst>
           </p:cNvPr>
@@ -2411,7 +2411,7 @@
           <p:cNvPr id="7" name="灯片编号占位符 6">
             <a:extLst>
               <a:ext uri="{FF2B5EF4-FFF2-40B4-BE49-F238E27FC236}">
-                <a16:creationId xmlns:a16="http://schemas.microsoft.com/office/drawing/2014/main" id="{321B05B4-CA80-BC7B-10BD-C3A56EE3A3B1}"/>
+                <a16:creationId xmlns:a16="http://schemas.microsoft.com/office/drawing/2014/main" id="{70E5D83C-3DA5-CB7B-BB84-7CE0B77AA2A9}"/>
               </a:ext>
             </a:extLst>
           </p:cNvPr>
@@ -2427,7 +2427,7 @@
           <a:bodyPr/>
           <a:lstStyle/>
           <a:p>
-            <a:fld id="{C8591ABF-0B41-494E-9A63-4370CE143CE6}" type="slidenum">
+            <a:fld id="{A4001789-0A5E-4E16-8E31-CFC078E594E1}" type="slidenum">
               <a:rPr lang="zh-CN" altLang="en-US" smtClean="0"/>
               <a:t>‹#›</a:t>
             </a:fld>
@@ -2438,7 +2438,7 @@
     </p:spTree>
     <p:extLst>
       <p:ext uri="{BB962C8B-B14F-4D97-AF65-F5344CB8AC3E}">
-        <p14:creationId xmlns:p14="http://schemas.microsoft.com/office/powerpoint/2010/main" val="3181971736"/>
+        <p14:creationId xmlns:p14="http://schemas.microsoft.com/office/powerpoint/2010/main" val="1673857164"/>
       </p:ext>
     </p:extLst>
   </p:cSld>
@@ -2470,7 +2470,7 @@
           <p:cNvPr id="2" name="标题 1">
             <a:extLst>
               <a:ext uri="{FF2B5EF4-FFF2-40B4-BE49-F238E27FC236}">
-                <a16:creationId xmlns:a16="http://schemas.microsoft.com/office/drawing/2014/main" id="{6D173B6F-23C4-5692-E41E-A647FBF8C4F0}"/>
+                <a16:creationId xmlns:a16="http://schemas.microsoft.com/office/drawing/2014/main" id="{9F9C87FD-9AF8-D7CD-2352-9217C92D6477}"/>
               </a:ext>
             </a:extLst>
           </p:cNvPr>
@@ -2507,7 +2507,7 @@
           <p:cNvPr id="3" name="图片占位符 2">
             <a:extLst>
               <a:ext uri="{FF2B5EF4-FFF2-40B4-BE49-F238E27FC236}">
-                <a16:creationId xmlns:a16="http://schemas.microsoft.com/office/drawing/2014/main" id="{7FC06B2B-F724-F6F9-C11F-A264A3EBC505}"/>
+                <a16:creationId xmlns:a16="http://schemas.microsoft.com/office/drawing/2014/main" id="{2FE1F5DB-8478-D9E8-7939-8C494C92BEF2}"/>
               </a:ext>
             </a:extLst>
           </p:cNvPr>
@@ -2574,7 +2574,7 @@
           <p:cNvPr id="4" name="文本占位符 3">
             <a:extLst>
               <a:ext uri="{FF2B5EF4-FFF2-40B4-BE49-F238E27FC236}">
-                <a16:creationId xmlns:a16="http://schemas.microsoft.com/office/drawing/2014/main" id="{3D97644C-C50F-1350-D9D9-0F5FE238B699}"/>
+                <a16:creationId xmlns:a16="http://schemas.microsoft.com/office/drawing/2014/main" id="{6E9A47BA-A6F7-14EF-FE13-CC42B6B91BF5}"/>
               </a:ext>
             </a:extLst>
           </p:cNvPr>
@@ -2645,7 +2645,7 @@
           <p:cNvPr id="5" name="日期占位符 4">
             <a:extLst>
               <a:ext uri="{FF2B5EF4-FFF2-40B4-BE49-F238E27FC236}">
-                <a16:creationId xmlns:a16="http://schemas.microsoft.com/office/drawing/2014/main" id="{71A1E456-43E7-5F0F-455E-D1A86C0FB339}"/>
+                <a16:creationId xmlns:a16="http://schemas.microsoft.com/office/drawing/2014/main" id="{6C5BE67D-097A-69A7-24A3-22BEC6133007}"/>
               </a:ext>
             </a:extLst>
           </p:cNvPr>
@@ -2661,7 +2661,7 @@
           <a:bodyPr/>
           <a:lstStyle/>
           <a:p>
-            <a:fld id="{B809B4A3-7C48-426E-98B6-5D755670D242}" type="datetimeFigureOut">
+            <a:fld id="{116CF181-791D-4B1D-922D-B6F5EB7B31C7}" type="datetimeFigureOut">
               <a:rPr lang="zh-CN" altLang="en-US" smtClean="0"/>
               <a:t>2024/3/10</a:t>
             </a:fld>
@@ -2674,7 +2674,7 @@
           <p:cNvPr id="6" name="页脚占位符 5">
             <a:extLst>
               <a:ext uri="{FF2B5EF4-FFF2-40B4-BE49-F238E27FC236}">
-                <a16:creationId xmlns:a16="http://schemas.microsoft.com/office/drawing/2014/main" id="{145DB7BB-CE88-C96E-738A-5C1528270ED5}"/>
+                <a16:creationId xmlns:a16="http://schemas.microsoft.com/office/drawing/2014/main" id="{B60A6E86-A61C-323D-63D3-203737654244}"/>
               </a:ext>
             </a:extLst>
           </p:cNvPr>
@@ -2699,7 +2699,7 @@
           <p:cNvPr id="7" name="灯片编号占位符 6">
             <a:extLst>
               <a:ext uri="{FF2B5EF4-FFF2-40B4-BE49-F238E27FC236}">
-                <a16:creationId xmlns:a16="http://schemas.microsoft.com/office/drawing/2014/main" id="{147CC9F1-A281-58BF-CCDB-FF7738F98A6D}"/>
+                <a16:creationId xmlns:a16="http://schemas.microsoft.com/office/drawing/2014/main" id="{C38C1BD9-9FC8-9CD9-61E4-87357882D166}"/>
               </a:ext>
             </a:extLst>
           </p:cNvPr>
@@ -2715,7 +2715,7 @@
           <a:bodyPr/>
           <a:lstStyle/>
           <a:p>
-            <a:fld id="{C8591ABF-0B41-494E-9A63-4370CE143CE6}" type="slidenum">
+            <a:fld id="{A4001789-0A5E-4E16-8E31-CFC078E594E1}" type="slidenum">
               <a:rPr lang="zh-CN" altLang="en-US" smtClean="0"/>
               <a:t>‹#›</a:t>
             </a:fld>
@@ -2726,7 +2726,7 @@
     </p:spTree>
     <p:extLst>
       <p:ext uri="{BB962C8B-B14F-4D97-AF65-F5344CB8AC3E}">
-        <p14:creationId xmlns:p14="http://schemas.microsoft.com/office/powerpoint/2010/main" val="1611182163"/>
+        <p14:creationId xmlns:p14="http://schemas.microsoft.com/office/powerpoint/2010/main" val="1310748854"/>
       </p:ext>
     </p:extLst>
   </p:cSld>
@@ -2763,7 +2763,7 @@
           <p:cNvPr id="2" name="标题占位符 1">
             <a:extLst>
               <a:ext uri="{FF2B5EF4-FFF2-40B4-BE49-F238E27FC236}">
-                <a16:creationId xmlns:a16="http://schemas.microsoft.com/office/drawing/2014/main" id="{C4D4E9F0-8F1E-2390-5FAD-74ABADC19697}"/>
+                <a16:creationId xmlns:a16="http://schemas.microsoft.com/office/drawing/2014/main" id="{0E1DDFCA-EB07-DAE1-628F-2B2363E2CECF}"/>
               </a:ext>
             </a:extLst>
           </p:cNvPr>
@@ -2801,7 +2801,7 @@
           <p:cNvPr id="3" name="文本占位符 2">
             <a:extLst>
               <a:ext uri="{FF2B5EF4-FFF2-40B4-BE49-F238E27FC236}">
-                <a16:creationId xmlns:a16="http://schemas.microsoft.com/office/drawing/2014/main" id="{ECA1AA70-8982-7525-91C1-7BF4C89E82EA}"/>
+                <a16:creationId xmlns:a16="http://schemas.microsoft.com/office/drawing/2014/main" id="{AB006BD5-AC9D-6164-0ACF-9CCFD63AB1B0}"/>
               </a:ext>
             </a:extLst>
           </p:cNvPr>
@@ -2868,7 +2868,7 @@
           <p:cNvPr id="4" name="日期占位符 3">
             <a:extLst>
               <a:ext uri="{FF2B5EF4-FFF2-40B4-BE49-F238E27FC236}">
-                <a16:creationId xmlns:a16="http://schemas.microsoft.com/office/drawing/2014/main" id="{6C80F7CB-4E05-A695-F6CD-F3E4A9AB4FAD}"/>
+                <a16:creationId xmlns:a16="http://schemas.microsoft.com/office/drawing/2014/main" id="{711F4F2A-E0AA-F691-A652-9D38EBB3582F}"/>
               </a:ext>
             </a:extLst>
           </p:cNvPr>
@@ -2902,7 +2902,7 @@
             </a:lvl1pPr>
           </a:lstStyle>
           <a:p>
-            <a:fld id="{B809B4A3-7C48-426E-98B6-5D755670D242}" type="datetimeFigureOut">
+            <a:fld id="{116CF181-791D-4B1D-922D-B6F5EB7B31C7}" type="datetimeFigureOut">
               <a:rPr lang="zh-CN" altLang="en-US" smtClean="0"/>
               <a:t>2024/3/10</a:t>
             </a:fld>
@@ -2915,7 +2915,7 @@
           <p:cNvPr id="5" name="页脚占位符 4">
             <a:extLst>
               <a:ext uri="{FF2B5EF4-FFF2-40B4-BE49-F238E27FC236}">
-                <a16:creationId xmlns:a16="http://schemas.microsoft.com/office/drawing/2014/main" id="{1C45B733-0225-D5EE-F55B-0021283F556A}"/>
+                <a16:creationId xmlns:a16="http://schemas.microsoft.com/office/drawing/2014/main" id="{4C25309B-418C-BAFE-1F9F-B4878F647074}"/>
               </a:ext>
             </a:extLst>
           </p:cNvPr>
@@ -2958,7 +2958,7 @@
           <p:cNvPr id="6" name="灯片编号占位符 5">
             <a:extLst>
               <a:ext uri="{FF2B5EF4-FFF2-40B4-BE49-F238E27FC236}">
-                <a16:creationId xmlns:a16="http://schemas.microsoft.com/office/drawing/2014/main" id="{26524E85-4D05-4F8E-3940-1472C606A3FB}"/>
+                <a16:creationId xmlns:a16="http://schemas.microsoft.com/office/drawing/2014/main" id="{9CA335A5-4D03-89F1-F30E-BFFF56FB69A5}"/>
               </a:ext>
             </a:extLst>
           </p:cNvPr>
@@ -2992,7 +2992,7 @@
             </a:lvl1pPr>
           </a:lstStyle>
           <a:p>
-            <a:fld id="{C8591ABF-0B41-494E-9A63-4370CE143CE6}" type="slidenum">
+            <a:fld id="{A4001789-0A5E-4E16-8E31-CFC078E594E1}" type="slidenum">
               <a:rPr lang="zh-CN" altLang="en-US" smtClean="0"/>
               <a:t>‹#›</a:t>
             </a:fld>
@@ -3003,7 +3003,7 @@
     </p:spTree>
     <p:extLst>
       <p:ext uri="{BB962C8B-B14F-4D97-AF65-F5344CB8AC3E}">
-        <p14:creationId xmlns:p14="http://schemas.microsoft.com/office/powerpoint/2010/main" val="3595590133"/>
+        <p14:creationId xmlns:p14="http://schemas.microsoft.com/office/powerpoint/2010/main" val="3392850573"/>
       </p:ext>
     </p:extLst>
   </p:cSld>
@@ -3323,7 +3323,7 @@
       </p:grpSpPr>
       <p:pic>
         <p:nvPicPr>
-          <p:cNvPr id="1014786" name="Picture 2" descr="990"/>
+          <p:cNvPr id="1015810" name="Picture 2" descr="991"/>
           <p:cNvPicPr>
             <a:picLocks noChangeAspect="1" noChangeArrowheads="1"/>
           </p:cNvPicPr>
@@ -3344,8 +3344,8 @@
         </p:blipFill>
         <p:spPr bwMode="auto">
           <a:xfrm>
-            <a:off x="1524000" y="0"/>
-            <a:ext cx="9144000" cy="4941888"/>
+            <a:off x="1524000" y="1"/>
+            <a:ext cx="9124950" cy="6843713"/>
           </a:xfrm>
           <a:prstGeom prst="rect">
             <a:avLst/>
